--- a/quizzes/quiz_2/quantum_challenge_quiz_2.pptx
+++ b/quizzes/quiz_2/quantum_challenge_quiz_2.pptx
@@ -243,7 +243,7 @@
           <a:p>
             <a:fld id="{F73B37C0-7A36-9F4A-B6CD-6D30F1BC3316}" type="datetimeFigureOut">
               <a:rPr kumimoji="1" lang="ja-JP" altLang="en-US" smtClean="0"/>
-              <a:t>2020/11/19</a:t>
+              <a:t>2020/11/20</a:t>
             </a:fld>
             <a:endParaRPr kumimoji="1" lang="ja-JP" altLang="en-US"/>
           </a:p>
@@ -445,7 +445,7 @@
           <a:p>
             <a:fld id="{F73B37C0-7A36-9F4A-B6CD-6D30F1BC3316}" type="datetimeFigureOut">
               <a:rPr kumimoji="1" lang="ja-JP" altLang="en-US" smtClean="0"/>
-              <a:t>2020/11/19</a:t>
+              <a:t>2020/11/20</a:t>
             </a:fld>
             <a:endParaRPr kumimoji="1" lang="ja-JP" altLang="en-US"/>
           </a:p>
@@ -657,7 +657,7 @@
           <a:p>
             <a:fld id="{F73B37C0-7A36-9F4A-B6CD-6D30F1BC3316}" type="datetimeFigureOut">
               <a:rPr kumimoji="1" lang="ja-JP" altLang="en-US" smtClean="0"/>
-              <a:t>2020/11/19</a:t>
+              <a:t>2020/11/20</a:t>
             </a:fld>
             <a:endParaRPr kumimoji="1" lang="ja-JP" altLang="en-US"/>
           </a:p>
@@ -859,7 +859,7 @@
           <a:p>
             <a:fld id="{F73B37C0-7A36-9F4A-B6CD-6D30F1BC3316}" type="datetimeFigureOut">
               <a:rPr kumimoji="1" lang="ja-JP" altLang="en-US" smtClean="0"/>
-              <a:t>2020/11/19</a:t>
+              <a:t>2020/11/20</a:t>
             </a:fld>
             <a:endParaRPr kumimoji="1" lang="ja-JP" altLang="en-US"/>
           </a:p>
@@ -1103,7 +1103,7 @@
           <a:p>
             <a:fld id="{F73B37C0-7A36-9F4A-B6CD-6D30F1BC3316}" type="datetimeFigureOut">
               <a:rPr kumimoji="1" lang="ja-JP" altLang="en-US" smtClean="0"/>
-              <a:t>2020/11/19</a:t>
+              <a:t>2020/11/20</a:t>
             </a:fld>
             <a:endParaRPr kumimoji="1" lang="ja-JP" altLang="en-US"/>
           </a:p>
@@ -1399,7 +1399,7 @@
           <a:p>
             <a:fld id="{F73B37C0-7A36-9F4A-B6CD-6D30F1BC3316}" type="datetimeFigureOut">
               <a:rPr kumimoji="1" lang="ja-JP" altLang="en-US" smtClean="0"/>
-              <a:t>2020/11/19</a:t>
+              <a:t>2020/11/20</a:t>
             </a:fld>
             <a:endParaRPr kumimoji="1" lang="ja-JP" altLang="en-US"/>
           </a:p>
@@ -1830,7 +1830,7 @@
           <a:p>
             <a:fld id="{F73B37C0-7A36-9F4A-B6CD-6D30F1BC3316}" type="datetimeFigureOut">
               <a:rPr kumimoji="1" lang="ja-JP" altLang="en-US" smtClean="0"/>
-              <a:t>2020/11/19</a:t>
+              <a:t>2020/11/20</a:t>
             </a:fld>
             <a:endParaRPr kumimoji="1" lang="ja-JP" altLang="en-US"/>
           </a:p>
@@ -1948,7 +1948,7 @@
           <a:p>
             <a:fld id="{F73B37C0-7A36-9F4A-B6CD-6D30F1BC3316}" type="datetimeFigureOut">
               <a:rPr kumimoji="1" lang="ja-JP" altLang="en-US" smtClean="0"/>
-              <a:t>2020/11/19</a:t>
+              <a:t>2020/11/20</a:t>
             </a:fld>
             <a:endParaRPr kumimoji="1" lang="ja-JP" altLang="en-US"/>
           </a:p>
@@ -7037,7 +7037,7 @@
           <a:p>
             <a:fld id="{F73B37C0-7A36-9F4A-B6CD-6D30F1BC3316}" type="datetimeFigureOut">
               <a:rPr kumimoji="1" lang="ja-JP" altLang="en-US" smtClean="0"/>
-              <a:t>2020/11/19</a:t>
+              <a:t>2020/11/20</a:t>
             </a:fld>
             <a:endParaRPr kumimoji="1" lang="ja-JP" altLang="en-US"/>
           </a:p>
@@ -7294,7 +7294,7 @@
           <a:p>
             <a:fld id="{F73B37C0-7A36-9F4A-B6CD-6D30F1BC3316}" type="datetimeFigureOut">
               <a:rPr kumimoji="1" lang="ja-JP" altLang="en-US" smtClean="0"/>
-              <a:t>2020/11/19</a:t>
+              <a:t>2020/11/20</a:t>
             </a:fld>
             <a:endParaRPr kumimoji="1" lang="ja-JP" altLang="en-US"/>
           </a:p>
@@ -7539,7 +7539,7 @@
           <a:p>
             <a:fld id="{F73B37C0-7A36-9F4A-B6CD-6D30F1BC3316}" type="datetimeFigureOut">
               <a:rPr kumimoji="1" lang="ja-JP" altLang="en-US" smtClean="0"/>
-              <a:t>2020/11/19</a:t>
+              <a:t>2020/11/20</a:t>
             </a:fld>
             <a:endParaRPr kumimoji="1" lang="ja-JP" altLang="en-US"/>
           </a:p>
@@ -12933,7 +12933,7 @@
       </p:graphicFrame>
       <p:pic>
         <p:nvPicPr>
-          <p:cNvPr id="28" name="図 7" descr="グラフ&#10;&#10;自動的に生成された説明">
+          <p:cNvPr id="28" name="図 7">
             <a:extLst>
               <a:ext uri="{FF2B5EF4-FFF2-40B4-BE49-F238E27FC236}">
                 <a16:creationId xmlns:a16="http://schemas.microsoft.com/office/drawing/2014/main" id="{1C6CBB67-6230-0D40-8B3A-8737ED88835D}"/>
@@ -12945,9 +12945,9 @@
           </p:cNvPicPr>
           <p:nvPr/>
         </p:nvPicPr>
-        <p:blipFill rotWithShape="1">
+        <p:blipFill>
           <a:blip r:embed="rId2"/>
-          <a:srcRect l="8877" t="6904" r="7915" b="8303"/>
+          <a:srcRect t="27" b="27"/>
           <a:stretch/>
         </p:blipFill>
         <p:spPr>
